--- a/Lloyd_ENGI301_project_01_proposal.pptx
+++ b/Lloyd_ENGI301_project_01_proposal.pptx
@@ -221,7 +221,7 @@
           <a:p>
             <a:fld id="{59041DB8-B66F-4DC8-A96E-33677E0F90FF}" type="datetimeFigureOut">
               <a:rPr lang="en-US" smtClean="0"/>
-              <a:t>10/1/22</a:t>
+              <a:t>10/5/2022</a:t>
             </a:fld>
             <a:endParaRPr lang="en-US"/>
           </a:p>
@@ -386,7 +386,7 @@
           <a:p>
             <a:fld id="{DEB49C4A-65AC-492D-9701-81B46C3AD0E4}" type="datetimeFigureOut">
               <a:rPr lang="en-US" smtClean="0"/>
-              <a:t>10/1/22</a:t>
+              <a:t>10/5/2022</a:t>
             </a:fld>
             <a:endParaRPr lang="en-US"/>
           </a:p>
@@ -2794,7 +2794,7 @@
           <a:p>
             <a:fld id="{384A29A4-78C8-47AB-BA06-22CB45938951}" type="datetime1">
               <a:rPr lang="en-US" smtClean="0"/>
-              <a:t>10/1/22</a:t>
+              <a:t>10/5/2022</a:t>
             </a:fld>
             <a:endParaRPr lang="en-US"/>
           </a:p>
@@ -2989,7 +2989,7 @@
           <a:p>
             <a:fld id="{E1ED4ACF-2D82-46F2-A8E9-23963AA34E86}" type="datetime1">
               <a:rPr lang="en-US" smtClean="0"/>
-              <a:t>10/1/22</a:t>
+              <a:t>10/5/2022</a:t>
             </a:fld>
             <a:endParaRPr lang="en-US"/>
           </a:p>
@@ -3183,7 +3183,7 @@
           <a:p>
             <a:fld id="{AE374B5B-21A0-4192-BF4C-38187F1A68D8}" type="datetime1">
               <a:rPr lang="en-US" smtClean="0"/>
-              <a:t>10/1/22</a:t>
+              <a:t>10/5/2022</a:t>
             </a:fld>
             <a:endParaRPr lang="en-US"/>
           </a:p>
@@ -5524,7 +5524,7 @@
           <a:p>
             <a:fld id="{33B5CF7C-B333-48E1-A4A6-83A3C8B73AC0}" type="datetime1">
               <a:rPr lang="en-US" smtClean="0"/>
-              <a:t>10/1/22</a:t>
+              <a:t>10/5/2022</a:t>
             </a:fld>
             <a:endParaRPr lang="en-US"/>
           </a:p>
@@ -5977,7 +5977,7 @@
           <a:p>
             <a:fld id="{AE320762-5CBF-4210-AB54-376B091119F8}" type="datetime1">
               <a:rPr lang="en-US" smtClean="0"/>
-              <a:t>10/1/22</a:t>
+              <a:t>10/5/2022</a:t>
             </a:fld>
             <a:endParaRPr lang="en-US"/>
           </a:p>
@@ -6109,7 +6109,7 @@
           <a:p>
             <a:fld id="{7F0DB371-BF5F-4058-A212-1A908E4D2674}" type="datetime1">
               <a:rPr lang="en-US" smtClean="0"/>
-              <a:t>10/1/22</a:t>
+              <a:t>10/5/2022</a:t>
             </a:fld>
             <a:endParaRPr lang="en-US"/>
           </a:p>
@@ -8042,7 +8042,7 @@
           <a:p>
             <a:fld id="{60A4083B-90AA-48CF-BAD5-00AA24D7F288}" type="datetime1">
               <a:rPr lang="en-US" smtClean="0"/>
-              <a:t>10/1/22</a:t>
+              <a:t>10/5/2022</a:t>
             </a:fld>
             <a:endParaRPr lang="en-US"/>
           </a:p>
@@ -10301,7 +10301,7 @@
             <a:fld id="{F5BAF629-ECA2-4CF3-B790-9D9BDED98269}" type="datetime1">
               <a:rPr lang="en-US" smtClean="0"/>
               <a:pPr/>
-              <a:t>10/1/22</a:t>
+              <a:t>10/5/2022</a:t>
             </a:fld>
             <a:endParaRPr lang="en-US"/>
           </a:p>
@@ -14596,7 +14596,7 @@
             <a:fld id="{B51B2453-8663-4C69-AF73-9FD7B1DEC5D0}" type="datetime1">
               <a:rPr lang="en-US" smtClean="0"/>
               <a:pPr/>
-              <a:t>10/1/22</a:t>
+              <a:t>10/5/2022</a:t>
             </a:fld>
             <a:endParaRPr lang="en-US" dirty="0"/>
           </a:p>
@@ -15798,7 +15798,7 @@
             <p:ph idx="1"/>
             <p:extLst>
               <p:ext uri="{D42A27DB-BD31-4B8C-83A1-F6EECF244321}">
-                <p14:modId xmlns:p14="http://schemas.microsoft.com/office/powerpoint/2010/main" val="799526444"/>
+                <p14:modId xmlns:p14="http://schemas.microsoft.com/office/powerpoint/2010/main" val="2991948606"/>
               </p:ext>
             </p:extLst>
           </p:nvPr>
@@ -16087,7 +16087,7 @@
                     <a:p>
                       <a:r>
                         <a:rPr lang="en-US" dirty="0"/>
-                        <a:t>1-2</a:t>
+                        <a:t>1</a:t>
                       </a:r>
                     </a:p>
                   </a:txBody>
@@ -16231,7 +16231,7 @@
                     <a:p>
                       <a:r>
                         <a:rPr lang="en-US" dirty="0"/>
-                        <a:t>1-2</a:t>
+                        <a:t>1</a:t>
                       </a:r>
                     </a:p>
                   </a:txBody>
@@ -17193,14 +17193,14 @@
             <p:ph idx="1"/>
             <p:extLst>
               <p:ext uri="{D42A27DB-BD31-4B8C-83A1-F6EECF244321}">
-                <p14:modId xmlns:p14="http://schemas.microsoft.com/office/powerpoint/2010/main" val="692300810"/>
+                <p14:modId xmlns:p14="http://schemas.microsoft.com/office/powerpoint/2010/main" val="252008927"/>
               </p:ext>
             </p:extLst>
           </p:nvPr>
         </p:nvGraphicFramePr>
         <p:xfrm>
           <a:off x="609600" y="1295400"/>
-          <a:ext cx="10972800" cy="3962400"/>
+          <a:ext cx="10972800" cy="4236720"/>
         </p:xfrm>
         <a:graphic>
           <a:graphicData uri="http://schemas.openxmlformats.org/drawingml/2006/table">
@@ -17761,7 +17761,7 @@
                     <a:p>
                       <a:r>
                         <a:rPr lang="en-US" dirty="0"/>
-                        <a:t>$181.24</a:t>
+                        <a:t>$176.79</a:t>
                       </a:r>
                     </a:p>
                   </a:txBody>
@@ -17779,7 +17779,10 @@
                     <a:bodyPr/>
                     <a:lstStyle/>
                     <a:p>
-                      <a:endParaRPr lang="en-US" dirty="0"/>
+                      <a:r>
+                        <a:rPr lang="en-US" dirty="0"/>
+                        <a:t>OTHER NEEDED PART: an adapter to go from 12V output cable to bare wire to power multiple motors</a:t>
+                      </a:r>
                     </a:p>
                   </a:txBody>
                   <a:tcPr/>
@@ -17789,7 +17792,10 @@
                     <a:bodyPr/>
                     <a:lstStyle/>
                     <a:p>
-                      <a:endParaRPr lang="en-US" dirty="0"/>
+                      <a:r>
+                        <a:rPr lang="en-US" dirty="0"/>
+                        <a:t>?</a:t>
+                      </a:r>
                     </a:p>
                   </a:txBody>
                   <a:tcPr/>
@@ -17799,7 +17805,10 @@
                     <a:bodyPr/>
                     <a:lstStyle/>
                     <a:p>
-                      <a:endParaRPr lang="en-US" dirty="0"/>
+                      <a:r>
+                        <a:rPr lang="en-US" dirty="0"/>
+                        <a:t>?</a:t>
+                      </a:r>
                     </a:p>
                   </a:txBody>
                   <a:tcPr/>
